--- a/slides/Unit 2 - Catch up day 2.pptx
+++ b/slides/Unit 2 - Catch up day 2.pptx
@@ -8102,13 +8102,8 @@
           <a:p>
             <a:r>
               <a:rPr lang="en-US" sz="2400" dirty="0"/>
-              <a:t>Callbacks were used before ES6. Address timing issue by </a:t>
+              <a:t>Callbacks were used before ES6. Address timing issue by using callback. </a:t>
             </a:r>
-            <a:r>
-              <a:rPr lang="en-US" sz="2400"/>
-              <a:t>using callback. </a:t>
-            </a:r>
-            <a:endParaRPr lang="en-US" sz="2400" dirty="0"/>
           </a:p>
           <a:p>
             <a:r>
